--- a/articles/assets/pptx/ph_with_location_left_right.pptx
+++ b/articles/assets/pptx/ph_with_location_left_right.pptx
@@ -2224,17 +2224,7 @@
             <p:ph sz="half" idx="1"/>
           </p:nvPr>
         </p:nvSpPr>
-        <p:spPr>
-          <a:xfrm rot="-0">
-            <a:off x="457200" y="1600200"/>
-            <a:ext cx="4038600" cy="4525963"/>
-          </a:xfrm>
-          <a:solidFill>
-            <a:srgbClr val="FFFFFF">
-              <a:alpha val="0"/>
-            </a:srgbClr>
-          </a:solidFill>
-        </p:spPr>
+        <p:spPr/>
         <p:txBody>
           <a:bodyPr/>
           <a:lstStyle/>
@@ -2256,17 +2246,7 @@
             <p:ph sz="half" idx="2"/>
           </p:nvPr>
         </p:nvSpPr>
-        <p:spPr>
-          <a:xfrm rot="-0">
-            <a:off x="4648200" y="1600200"/>
-            <a:ext cx="4038600" cy="4525963"/>
-          </a:xfrm>
-          <a:solidFill>
-            <a:srgbClr val="FFFFFF">
-              <a:alpha val="0"/>
-            </a:srgbClr>
-          </a:solidFill>
-        </p:spPr>
+        <p:spPr/>
         <p:txBody>
           <a:bodyPr/>
           <a:lstStyle/>
